--- a/Final Presentation.pptx
+++ b/Final Presentation.pptx
@@ -9,6 +9,8 @@
     <p:sldId id="257" r:id="rId3"/>
     <p:sldId id="258" r:id="rId4"/>
     <p:sldId id="259" r:id="rId5"/>
+    <p:sldId id="260" r:id="rId6"/>
+    <p:sldId id="261" r:id="rId7"/>
   </p:sldIdLst>
   <p:sldSz cx="12192000" cy="6858000"/>
   <p:notesSz cx="6858000" cy="9144000"/>
@@ -120,7 +122,7 @@
   <pc:docChgLst>
     <pc:chgData name="Alder  Joel" userId="cb060085-3866-4497-bda6-e6b2f137edc7" providerId="ADAL" clId="{213097F3-7CE9-41F1-881E-7F1A26DF9138}"/>
     <pc:docChg chg="custSel addSld modSld sldOrd">
-      <pc:chgData name="Alder  Joel" userId="cb060085-3866-4497-bda6-e6b2f137edc7" providerId="ADAL" clId="{213097F3-7CE9-41F1-881E-7F1A26DF9138}" dt="2023-04-12T15:19:40.307" v="130" actId="478"/>
+      <pc:chgData name="Alder  Joel" userId="cb060085-3866-4497-bda6-e6b2f137edc7" providerId="ADAL" clId="{213097F3-7CE9-41F1-881E-7F1A26DF9138}" dt="2023-04-18T08:09:23.878" v="226" actId="20577"/>
       <pc:docMkLst>
         <pc:docMk/>
       </pc:docMkLst>
@@ -169,6 +171,44 @@
           </ac:spMkLst>
         </pc:spChg>
       </pc:sldChg>
+      <pc:sldChg chg="modSp new mod">
+        <pc:chgData name="Alder  Joel" userId="cb060085-3866-4497-bda6-e6b2f137edc7" providerId="ADAL" clId="{213097F3-7CE9-41F1-881E-7F1A26DF9138}" dt="2023-04-18T08:06:55.750" v="153" actId="20577"/>
+        <pc:sldMkLst>
+          <pc:docMk/>
+          <pc:sldMk cId="2175399514" sldId="260"/>
+        </pc:sldMkLst>
+        <pc:spChg chg="mod">
+          <ac:chgData name="Alder  Joel" userId="cb060085-3866-4497-bda6-e6b2f137edc7" providerId="ADAL" clId="{213097F3-7CE9-41F1-881E-7F1A26DF9138}" dt="2023-04-18T08:06:55.750" v="153" actId="20577"/>
+          <ac:spMkLst>
+            <pc:docMk/>
+            <pc:sldMk cId="2175399514" sldId="260"/>
+            <ac:spMk id="2" creationId="{608FE92B-EDAF-9602-6E5E-F79CE2800539}"/>
+          </ac:spMkLst>
+        </pc:spChg>
+      </pc:sldChg>
+      <pc:sldChg chg="modSp new mod">
+        <pc:chgData name="Alder  Joel" userId="cb060085-3866-4497-bda6-e6b2f137edc7" providerId="ADAL" clId="{213097F3-7CE9-41F1-881E-7F1A26DF9138}" dt="2023-04-18T08:09:23.878" v="226" actId="20577"/>
+        <pc:sldMkLst>
+          <pc:docMk/>
+          <pc:sldMk cId="2852609075" sldId="261"/>
+        </pc:sldMkLst>
+        <pc:spChg chg="mod">
+          <ac:chgData name="Alder  Joel" userId="cb060085-3866-4497-bda6-e6b2f137edc7" providerId="ADAL" clId="{213097F3-7CE9-41F1-881E-7F1A26DF9138}" dt="2023-04-18T08:07:31.339" v="168" actId="20577"/>
+          <ac:spMkLst>
+            <pc:docMk/>
+            <pc:sldMk cId="2852609075" sldId="261"/>
+            <ac:spMk id="2" creationId="{1766A719-9D05-CDE0-8D77-D005A26C4B2A}"/>
+          </ac:spMkLst>
+        </pc:spChg>
+        <pc:spChg chg="mod">
+          <ac:chgData name="Alder  Joel" userId="cb060085-3866-4497-bda6-e6b2f137edc7" providerId="ADAL" clId="{213097F3-7CE9-41F1-881E-7F1A26DF9138}" dt="2023-04-18T08:09:23.878" v="226" actId="20577"/>
+          <ac:spMkLst>
+            <pc:docMk/>
+            <pc:sldMk cId="2852609075" sldId="261"/>
+            <ac:spMk id="3" creationId="{39025716-816C-87D2-34C3-A2A091C5D38F}"/>
+          </ac:spMkLst>
+        </pc:spChg>
+      </pc:sldChg>
     </pc:docChg>
   </pc:docChgLst>
 </pc:chgInfo>
@@ -323,7 +363,7 @@
           <a:p>
             <a:fld id="{63C3E930-EECA-446B-9A12-9BD4DAE3FB21}" type="datetimeFigureOut">
               <a:rPr lang="de-CH" smtClean="0"/>
-              <a:t>12.04.2023</a:t>
+              <a:t>18.04.2023</a:t>
             </a:fld>
             <a:endParaRPr lang="de-CH"/>
           </a:p>
@@ -523,7 +563,7 @@
           <a:p>
             <a:fld id="{63C3E930-EECA-446B-9A12-9BD4DAE3FB21}" type="datetimeFigureOut">
               <a:rPr lang="de-CH" smtClean="0"/>
-              <a:t>12.04.2023</a:t>
+              <a:t>18.04.2023</a:t>
             </a:fld>
             <a:endParaRPr lang="de-CH"/>
           </a:p>
@@ -733,7 +773,7 @@
           <a:p>
             <a:fld id="{63C3E930-EECA-446B-9A12-9BD4DAE3FB21}" type="datetimeFigureOut">
               <a:rPr lang="de-CH" smtClean="0"/>
-              <a:t>12.04.2023</a:t>
+              <a:t>18.04.2023</a:t>
             </a:fld>
             <a:endParaRPr lang="de-CH"/>
           </a:p>
@@ -933,7 +973,7 @@
           <a:p>
             <a:fld id="{63C3E930-EECA-446B-9A12-9BD4DAE3FB21}" type="datetimeFigureOut">
               <a:rPr lang="de-CH" smtClean="0"/>
-              <a:t>12.04.2023</a:t>
+              <a:t>18.04.2023</a:t>
             </a:fld>
             <a:endParaRPr lang="de-CH"/>
           </a:p>
@@ -1209,7 +1249,7 @@
           <a:p>
             <a:fld id="{63C3E930-EECA-446B-9A12-9BD4DAE3FB21}" type="datetimeFigureOut">
               <a:rPr lang="de-CH" smtClean="0"/>
-              <a:t>12.04.2023</a:t>
+              <a:t>18.04.2023</a:t>
             </a:fld>
             <a:endParaRPr lang="de-CH"/>
           </a:p>
@@ -1477,7 +1517,7 @@
           <a:p>
             <a:fld id="{63C3E930-EECA-446B-9A12-9BD4DAE3FB21}" type="datetimeFigureOut">
               <a:rPr lang="de-CH" smtClean="0"/>
-              <a:t>12.04.2023</a:t>
+              <a:t>18.04.2023</a:t>
             </a:fld>
             <a:endParaRPr lang="de-CH"/>
           </a:p>
@@ -1892,7 +1932,7 @@
           <a:p>
             <a:fld id="{63C3E930-EECA-446B-9A12-9BD4DAE3FB21}" type="datetimeFigureOut">
               <a:rPr lang="de-CH" smtClean="0"/>
-              <a:t>12.04.2023</a:t>
+              <a:t>18.04.2023</a:t>
             </a:fld>
             <a:endParaRPr lang="de-CH"/>
           </a:p>
@@ -2034,7 +2074,7 @@
           <a:p>
             <a:fld id="{63C3E930-EECA-446B-9A12-9BD4DAE3FB21}" type="datetimeFigureOut">
               <a:rPr lang="de-CH" smtClean="0"/>
-              <a:t>12.04.2023</a:t>
+              <a:t>18.04.2023</a:t>
             </a:fld>
             <a:endParaRPr lang="de-CH"/>
           </a:p>
@@ -2147,7 +2187,7 @@
           <a:p>
             <a:fld id="{63C3E930-EECA-446B-9A12-9BD4DAE3FB21}" type="datetimeFigureOut">
               <a:rPr lang="de-CH" smtClean="0"/>
-              <a:t>12.04.2023</a:t>
+              <a:t>18.04.2023</a:t>
             </a:fld>
             <a:endParaRPr lang="de-CH"/>
           </a:p>
@@ -2460,7 +2500,7 @@
           <a:p>
             <a:fld id="{63C3E930-EECA-446B-9A12-9BD4DAE3FB21}" type="datetimeFigureOut">
               <a:rPr lang="de-CH" smtClean="0"/>
-              <a:t>12.04.2023</a:t>
+              <a:t>18.04.2023</a:t>
             </a:fld>
             <a:endParaRPr lang="de-CH"/>
           </a:p>
@@ -2749,7 +2789,7 @@
           <a:p>
             <a:fld id="{63C3E930-EECA-446B-9A12-9BD4DAE3FB21}" type="datetimeFigureOut">
               <a:rPr lang="de-CH" smtClean="0"/>
-              <a:t>12.04.2023</a:t>
+              <a:t>18.04.2023</a:t>
             </a:fld>
             <a:endParaRPr lang="de-CH"/>
           </a:p>
@@ -2992,7 +3032,7 @@
           <a:p>
             <a:fld id="{63C3E930-EECA-446B-9A12-9BD4DAE3FB21}" type="datetimeFigureOut">
               <a:rPr lang="de-CH" smtClean="0"/>
-              <a:t>12.04.2023</a:t>
+              <a:t>18.04.2023</a:t>
             </a:fld>
             <a:endParaRPr lang="de-CH"/>
           </a:p>
@@ -3973,6 +4013,244 @@
 </p:sld>
 </file>
 
+<file path=ppt/slides/slide5.xml><?xml version="1.0" encoding="utf-8"?>
+<p:sld xmlns:a="http://schemas.openxmlformats.org/drawingml/2006/main" xmlns:r="http://schemas.openxmlformats.org/officeDocument/2006/relationships" xmlns:p="http://schemas.openxmlformats.org/presentationml/2006/main">
+  <p:cSld>
+    <p:spTree>
+      <p:nvGrpSpPr>
+        <p:cNvPr id="1" name=""/>
+        <p:cNvGrpSpPr/>
+        <p:nvPr/>
+      </p:nvGrpSpPr>
+      <p:grpSpPr>
+        <a:xfrm>
+          <a:off x="0" y="0"/>
+          <a:ext cx="0" cy="0"/>
+          <a:chOff x="0" y="0"/>
+          <a:chExt cx="0" cy="0"/>
+        </a:xfrm>
+      </p:grpSpPr>
+      <p:sp>
+        <p:nvSpPr>
+          <p:cNvPr id="2" name="Titel 1">
+            <a:extLst>
+              <a:ext uri="{FF2B5EF4-FFF2-40B4-BE49-F238E27FC236}">
+                <a16:creationId xmlns:a16="http://schemas.microsoft.com/office/drawing/2014/main" id="{608FE92B-EDAF-9602-6E5E-F79CE2800539}"/>
+              </a:ext>
+            </a:extLst>
+          </p:cNvPr>
+          <p:cNvSpPr>
+            <a:spLocks noGrp="1"/>
+          </p:cNvSpPr>
+          <p:nvPr>
+            <p:ph type="title"/>
+          </p:nvPr>
+        </p:nvSpPr>
+        <p:spPr/>
+        <p:txBody>
+          <a:bodyPr/>
+          <a:lstStyle/>
+          <a:p>
+            <a:r>
+              <a:rPr lang="de-CH" dirty="0"/>
+              <a:t>New </a:t>
+            </a:r>
+            <a:r>
+              <a:rPr lang="de-CH" dirty="0" err="1"/>
+              <a:t>Stats</a:t>
+            </a:r>
+            <a:r>
+              <a:rPr lang="de-CH" dirty="0"/>
+              <a:t> Method: MICE</a:t>
+            </a:r>
+          </a:p>
+        </p:txBody>
+      </p:sp>
+      <p:sp>
+        <p:nvSpPr>
+          <p:cNvPr id="3" name="Inhaltsplatzhalter 2">
+            <a:extLst>
+              <a:ext uri="{FF2B5EF4-FFF2-40B4-BE49-F238E27FC236}">
+                <a16:creationId xmlns:a16="http://schemas.microsoft.com/office/drawing/2014/main" id="{1C937B84-EB72-9B54-F643-F245925050B0}"/>
+              </a:ext>
+            </a:extLst>
+          </p:cNvPr>
+          <p:cNvSpPr>
+            <a:spLocks noGrp="1"/>
+          </p:cNvSpPr>
+          <p:nvPr>
+            <p:ph idx="1"/>
+          </p:nvPr>
+        </p:nvSpPr>
+        <p:spPr/>
+        <p:txBody>
+          <a:bodyPr/>
+          <a:lstStyle/>
+          <a:p>
+            <a:endParaRPr lang="de-CH"/>
+          </a:p>
+        </p:txBody>
+      </p:sp>
+    </p:spTree>
+    <p:extLst>
+      <p:ext uri="{BB962C8B-B14F-4D97-AF65-F5344CB8AC3E}">
+        <p14:creationId xmlns:p14="http://schemas.microsoft.com/office/powerpoint/2010/main" val="2175399514"/>
+      </p:ext>
+    </p:extLst>
+  </p:cSld>
+  <p:clrMapOvr>
+    <a:masterClrMapping/>
+  </p:clrMapOvr>
+</p:sld>
+</file>
+
+<file path=ppt/slides/slide6.xml><?xml version="1.0" encoding="utf-8"?>
+<p:sld xmlns:a="http://schemas.openxmlformats.org/drawingml/2006/main" xmlns:r="http://schemas.openxmlformats.org/officeDocument/2006/relationships" xmlns:p="http://schemas.openxmlformats.org/presentationml/2006/main">
+  <p:cSld>
+    <p:spTree>
+      <p:nvGrpSpPr>
+        <p:cNvPr id="1" name=""/>
+        <p:cNvGrpSpPr/>
+        <p:nvPr/>
+      </p:nvGrpSpPr>
+      <p:grpSpPr>
+        <a:xfrm>
+          <a:off x="0" y="0"/>
+          <a:ext cx="0" cy="0"/>
+          <a:chOff x="0" y="0"/>
+          <a:chExt cx="0" cy="0"/>
+        </a:xfrm>
+      </p:grpSpPr>
+      <p:sp>
+        <p:nvSpPr>
+          <p:cNvPr id="2" name="Titel 1">
+            <a:extLst>
+              <a:ext uri="{FF2B5EF4-FFF2-40B4-BE49-F238E27FC236}">
+                <a16:creationId xmlns:a16="http://schemas.microsoft.com/office/drawing/2014/main" id="{1766A719-9D05-CDE0-8D77-D005A26C4B2A}"/>
+              </a:ext>
+            </a:extLst>
+          </p:cNvPr>
+          <p:cNvSpPr>
+            <a:spLocks noGrp="1"/>
+          </p:cNvSpPr>
+          <p:nvPr>
+            <p:ph type="title"/>
+          </p:nvPr>
+        </p:nvSpPr>
+        <p:spPr/>
+        <p:txBody>
+          <a:bodyPr/>
+          <a:lstStyle/>
+          <a:p>
+            <a:r>
+              <a:rPr lang="de-CH" dirty="0"/>
+              <a:t>Project Review</a:t>
+            </a:r>
+          </a:p>
+        </p:txBody>
+      </p:sp>
+      <p:sp>
+        <p:nvSpPr>
+          <p:cNvPr id="3" name="Inhaltsplatzhalter 2">
+            <a:extLst>
+              <a:ext uri="{FF2B5EF4-FFF2-40B4-BE49-F238E27FC236}">
+                <a16:creationId xmlns:a16="http://schemas.microsoft.com/office/drawing/2014/main" id="{39025716-816C-87D2-34C3-A2A091C5D38F}"/>
+              </a:ext>
+            </a:extLst>
+          </p:cNvPr>
+          <p:cNvSpPr>
+            <a:spLocks noGrp="1"/>
+          </p:cNvSpPr>
+          <p:nvPr>
+            <p:ph idx="1"/>
+          </p:nvPr>
+        </p:nvSpPr>
+        <p:spPr/>
+        <p:txBody>
+          <a:bodyPr/>
+          <a:lstStyle/>
+          <a:p>
+            <a:r>
+              <a:rPr lang="de-CH" dirty="0"/>
+              <a:t>Closer </a:t>
+            </a:r>
+            <a:r>
+              <a:rPr lang="de-CH" dirty="0" err="1"/>
+              <a:t>look</a:t>
+            </a:r>
+            <a:r>
+              <a:rPr lang="de-CH" dirty="0"/>
+              <a:t> </a:t>
+            </a:r>
+            <a:r>
+              <a:rPr lang="de-CH" dirty="0" err="1"/>
+              <a:t>to</a:t>
+            </a:r>
+            <a:r>
+              <a:rPr lang="de-CH" dirty="0"/>
+              <a:t> </a:t>
+            </a:r>
+            <a:r>
+              <a:rPr lang="de-CH" dirty="0" err="1"/>
+              <a:t>data</a:t>
+            </a:r>
+            <a:r>
+              <a:rPr lang="de-CH" dirty="0"/>
+              <a:t> </a:t>
+            </a:r>
+            <a:r>
+              <a:rPr lang="de-CH" dirty="0" err="1"/>
+              <a:t>before</a:t>
+            </a:r>
+            <a:r>
+              <a:rPr lang="de-CH" dirty="0"/>
+              <a:t> </a:t>
+            </a:r>
+            <a:r>
+              <a:rPr lang="de-CH" dirty="0" err="1"/>
+              <a:t>already</a:t>
+            </a:r>
+            <a:r>
+              <a:rPr lang="de-CH" dirty="0"/>
+              <a:t> </a:t>
+            </a:r>
+            <a:r>
+              <a:rPr lang="de-CH" dirty="0" err="1"/>
+              <a:t>trying</a:t>
+            </a:r>
+            <a:r>
+              <a:rPr lang="de-CH" dirty="0"/>
+              <a:t> out </a:t>
+            </a:r>
+            <a:r>
+              <a:rPr lang="de-CH" dirty="0" err="1"/>
+              <a:t>some</a:t>
+            </a:r>
+            <a:r>
+              <a:rPr lang="de-CH" dirty="0"/>
+              <a:t> </a:t>
+            </a:r>
+            <a:r>
+              <a:rPr lang="de-CH" dirty="0" err="1"/>
+              <a:t>models</a:t>
+            </a:r>
+            <a:endParaRPr lang="de-CH" dirty="0"/>
+          </a:p>
+        </p:txBody>
+      </p:sp>
+    </p:spTree>
+    <p:extLst>
+      <p:ext uri="{BB962C8B-B14F-4D97-AF65-F5344CB8AC3E}">
+        <p14:creationId xmlns:p14="http://schemas.microsoft.com/office/powerpoint/2010/main" val="2852609075"/>
+      </p:ext>
+    </p:extLst>
+  </p:cSld>
+  <p:clrMapOvr>
+    <a:masterClrMapping/>
+  </p:clrMapOvr>
+</p:sld>
+</file>
+
 <file path=ppt/theme/theme1.xml><?xml version="1.0" encoding="utf-8"?>
 <a:theme xmlns:a="http://schemas.openxmlformats.org/drawingml/2006/main" name="Office">
   <a:themeElements>

--- a/Final Presentation.pptx
+++ b/Final Presentation.pptx
@@ -6,11 +6,15 @@
   </p:sldMasterIdLst>
   <p:sldIdLst>
     <p:sldId id="256" r:id="rId2"/>
-    <p:sldId id="257" r:id="rId3"/>
-    <p:sldId id="258" r:id="rId4"/>
-    <p:sldId id="259" r:id="rId5"/>
-    <p:sldId id="260" r:id="rId6"/>
-    <p:sldId id="261" r:id="rId7"/>
+    <p:sldId id="265" r:id="rId3"/>
+    <p:sldId id="257" r:id="rId4"/>
+    <p:sldId id="258" r:id="rId5"/>
+    <p:sldId id="259" r:id="rId6"/>
+    <p:sldId id="260" r:id="rId7"/>
+    <p:sldId id="262" r:id="rId8"/>
+    <p:sldId id="263" r:id="rId9"/>
+    <p:sldId id="264" r:id="rId10"/>
+    <p:sldId id="261" r:id="rId11"/>
   </p:sldIdLst>
   <p:sldSz cx="12192000" cy="6858000"/>
   <p:notesSz cx="6858000" cy="9144000"/>
@@ -122,18 +126,26 @@
   <pc:docChgLst>
     <pc:chgData name="Alder  Joel" userId="cb060085-3866-4497-bda6-e6b2f137edc7" providerId="ADAL" clId="{213097F3-7CE9-41F1-881E-7F1A26DF9138}"/>
     <pc:docChg chg="custSel addSld modSld sldOrd">
-      <pc:chgData name="Alder  Joel" userId="cb060085-3866-4497-bda6-e6b2f137edc7" providerId="ADAL" clId="{213097F3-7CE9-41F1-881E-7F1A26DF9138}" dt="2023-04-18T08:09:23.878" v="226" actId="20577"/>
+      <pc:chgData name="Alder  Joel" userId="cb060085-3866-4497-bda6-e6b2f137edc7" providerId="ADAL" clId="{213097F3-7CE9-41F1-881E-7F1A26DF9138}" dt="2023-04-26T09:42:26.126" v="666" actId="20577"/>
       <pc:docMkLst>
         <pc:docMk/>
       </pc:docMkLst>
       <pc:sldChg chg="modSp mod">
-        <pc:chgData name="Alder  Joel" userId="cb060085-3866-4497-bda6-e6b2f137edc7" providerId="ADAL" clId="{213097F3-7CE9-41F1-881E-7F1A26DF9138}" dt="2023-04-12T15:19:36.824" v="129" actId="20577"/>
+        <pc:chgData name="Alder  Joel" userId="cb060085-3866-4497-bda6-e6b2f137edc7" providerId="ADAL" clId="{213097F3-7CE9-41F1-881E-7F1A26DF9138}" dt="2023-04-26T09:39:22.626" v="267" actId="20577"/>
         <pc:sldMkLst>
           <pc:docMk/>
           <pc:sldMk cId="2932704953" sldId="257"/>
         </pc:sldMkLst>
         <pc:spChg chg="mod">
-          <ac:chgData name="Alder  Joel" userId="cb060085-3866-4497-bda6-e6b2f137edc7" providerId="ADAL" clId="{213097F3-7CE9-41F1-881E-7F1A26DF9138}" dt="2023-04-12T15:19:36.824" v="129" actId="20577"/>
+          <ac:chgData name="Alder  Joel" userId="cb060085-3866-4497-bda6-e6b2f137edc7" providerId="ADAL" clId="{213097F3-7CE9-41F1-881E-7F1A26DF9138}" dt="2023-04-26T09:39:19.949" v="261" actId="20577"/>
+          <ac:spMkLst>
+            <pc:docMk/>
+            <pc:sldMk cId="2932704953" sldId="257"/>
+            <ac:spMk id="2" creationId="{AEC7D386-19EC-32B3-B4B8-5F89A5C13285}"/>
+          </ac:spMkLst>
+        </pc:spChg>
+        <pc:spChg chg="mod">
+          <ac:chgData name="Alder  Joel" userId="cb060085-3866-4497-bda6-e6b2f137edc7" providerId="ADAL" clId="{213097F3-7CE9-41F1-881E-7F1A26DF9138}" dt="2023-04-26T09:39:22.626" v="267" actId="20577"/>
           <ac:spMkLst>
             <pc:docMk/>
             <pc:sldMk cId="2932704953" sldId="257"/>
@@ -141,12 +153,20 @@
           </ac:spMkLst>
         </pc:spChg>
       </pc:sldChg>
-      <pc:sldChg chg="delSp mod">
-        <pc:chgData name="Alder  Joel" userId="cb060085-3866-4497-bda6-e6b2f137edc7" providerId="ADAL" clId="{213097F3-7CE9-41F1-881E-7F1A26DF9138}" dt="2023-04-12T15:19:40.307" v="130" actId="478"/>
+      <pc:sldChg chg="delSp modSp mod">
+        <pc:chgData name="Alder  Joel" userId="cb060085-3866-4497-bda6-e6b2f137edc7" providerId="ADAL" clId="{213097F3-7CE9-41F1-881E-7F1A26DF9138}" dt="2023-04-26T09:39:31.664" v="282" actId="20577"/>
         <pc:sldMkLst>
           <pc:docMk/>
           <pc:sldMk cId="3496435250" sldId="258"/>
         </pc:sldMkLst>
+        <pc:spChg chg="mod">
+          <ac:chgData name="Alder  Joel" userId="cb060085-3866-4497-bda6-e6b2f137edc7" providerId="ADAL" clId="{213097F3-7CE9-41F1-881E-7F1A26DF9138}" dt="2023-04-26T09:39:31.664" v="282" actId="20577"/>
+          <ac:spMkLst>
+            <pc:docMk/>
+            <pc:sldMk cId="3496435250" sldId="258"/>
+            <ac:spMk id="2" creationId="{76334B92-5B9F-48F8-4235-6E435AC25934}"/>
+          </ac:spMkLst>
+        </pc:spChg>
         <pc:picChg chg="del">
           <ac:chgData name="Alder  Joel" userId="cb060085-3866-4497-bda6-e6b2f137edc7" providerId="ADAL" clId="{213097F3-7CE9-41F1-881E-7F1A26DF9138}" dt="2023-04-12T15:19:40.307" v="130" actId="478"/>
           <ac:picMkLst>
@@ -157,13 +177,13 @@
         </pc:picChg>
       </pc:sldChg>
       <pc:sldChg chg="modSp new mod ord">
-        <pc:chgData name="Alder  Joel" userId="cb060085-3866-4497-bda6-e6b2f137edc7" providerId="ADAL" clId="{213097F3-7CE9-41F1-881E-7F1A26DF9138}" dt="2023-04-12T12:36:16.962" v="108" actId="20577"/>
+        <pc:chgData name="Alder  Joel" userId="cb060085-3866-4497-bda6-e6b2f137edc7" providerId="ADAL" clId="{213097F3-7CE9-41F1-881E-7F1A26DF9138}" dt="2023-04-26T09:39:41.793" v="309" actId="20577"/>
         <pc:sldMkLst>
           <pc:docMk/>
           <pc:sldMk cId="515618594" sldId="259"/>
         </pc:sldMkLst>
         <pc:spChg chg="mod">
-          <ac:chgData name="Alder  Joel" userId="cb060085-3866-4497-bda6-e6b2f137edc7" providerId="ADAL" clId="{213097F3-7CE9-41F1-881E-7F1A26DF9138}" dt="2023-04-12T12:36:16.962" v="108" actId="20577"/>
+          <ac:chgData name="Alder  Joel" userId="cb060085-3866-4497-bda6-e6b2f137edc7" providerId="ADAL" clId="{213097F3-7CE9-41F1-881E-7F1A26DF9138}" dt="2023-04-26T09:39:41.793" v="309" actId="20577"/>
           <ac:spMkLst>
             <pc:docMk/>
             <pc:sldMk cId="515618594" sldId="259"/>
@@ -172,13 +192,13 @@
         </pc:spChg>
       </pc:sldChg>
       <pc:sldChg chg="modSp new mod">
-        <pc:chgData name="Alder  Joel" userId="cb060085-3866-4497-bda6-e6b2f137edc7" providerId="ADAL" clId="{213097F3-7CE9-41F1-881E-7F1A26DF9138}" dt="2023-04-18T08:06:55.750" v="153" actId="20577"/>
+        <pc:chgData name="Alder  Joel" userId="cb060085-3866-4497-bda6-e6b2f137edc7" providerId="ADAL" clId="{213097F3-7CE9-41F1-881E-7F1A26DF9138}" dt="2023-04-26T09:39:53.223" v="336" actId="20577"/>
         <pc:sldMkLst>
           <pc:docMk/>
           <pc:sldMk cId="2175399514" sldId="260"/>
         </pc:sldMkLst>
         <pc:spChg chg="mod">
-          <ac:chgData name="Alder  Joel" userId="cb060085-3866-4497-bda6-e6b2f137edc7" providerId="ADAL" clId="{213097F3-7CE9-41F1-881E-7F1A26DF9138}" dt="2023-04-18T08:06:55.750" v="153" actId="20577"/>
+          <ac:chgData name="Alder  Joel" userId="cb060085-3866-4497-bda6-e6b2f137edc7" providerId="ADAL" clId="{213097F3-7CE9-41F1-881E-7F1A26DF9138}" dt="2023-04-26T09:39:53.223" v="336" actId="20577"/>
           <ac:spMkLst>
             <pc:docMk/>
             <pc:sldMk cId="2175399514" sldId="260"/>
@@ -187,7 +207,7 @@
         </pc:spChg>
       </pc:sldChg>
       <pc:sldChg chg="modSp new mod">
-        <pc:chgData name="Alder  Joel" userId="cb060085-3866-4497-bda6-e6b2f137edc7" providerId="ADAL" clId="{213097F3-7CE9-41F1-881E-7F1A26DF9138}" dt="2023-04-18T08:09:23.878" v="226" actId="20577"/>
+        <pc:chgData name="Alder  Joel" userId="cb060085-3866-4497-bda6-e6b2f137edc7" providerId="ADAL" clId="{213097F3-7CE9-41F1-881E-7F1A26DF9138}" dt="2023-04-26T09:42:26.126" v="666" actId="20577"/>
         <pc:sldMkLst>
           <pc:docMk/>
           <pc:sldMk cId="2852609075" sldId="261"/>
@@ -201,11 +221,79 @@
           </ac:spMkLst>
         </pc:spChg>
         <pc:spChg chg="mod">
-          <ac:chgData name="Alder  Joel" userId="cb060085-3866-4497-bda6-e6b2f137edc7" providerId="ADAL" clId="{213097F3-7CE9-41F1-881E-7F1A26DF9138}" dt="2023-04-18T08:09:23.878" v="226" actId="20577"/>
+          <ac:chgData name="Alder  Joel" userId="cb060085-3866-4497-bda6-e6b2f137edc7" providerId="ADAL" clId="{213097F3-7CE9-41F1-881E-7F1A26DF9138}" dt="2023-04-26T09:42:26.126" v="666" actId="20577"/>
           <ac:spMkLst>
             <pc:docMk/>
             <pc:sldMk cId="2852609075" sldId="261"/>
             <ac:spMk id="3" creationId="{39025716-816C-87D2-34C3-A2A091C5D38F}"/>
+          </ac:spMkLst>
+        </pc:spChg>
+      </pc:sldChg>
+      <pc:sldChg chg="modSp new mod">
+        <pc:chgData name="Alder  Joel" userId="cb060085-3866-4497-bda6-e6b2f137edc7" providerId="ADAL" clId="{213097F3-7CE9-41F1-881E-7F1A26DF9138}" dt="2023-04-26T09:40:09.266" v="378" actId="20577"/>
+        <pc:sldMkLst>
+          <pc:docMk/>
+          <pc:sldMk cId="3910924104" sldId="262"/>
+        </pc:sldMkLst>
+        <pc:spChg chg="mod">
+          <ac:chgData name="Alder  Joel" userId="cb060085-3866-4497-bda6-e6b2f137edc7" providerId="ADAL" clId="{213097F3-7CE9-41F1-881E-7F1A26DF9138}" dt="2023-04-26T09:40:09.266" v="378" actId="20577"/>
+          <ac:spMkLst>
+            <pc:docMk/>
+            <pc:sldMk cId="3910924104" sldId="262"/>
+            <ac:spMk id="2" creationId="{ACC88F3C-C654-C853-3C14-017E6613E98E}"/>
+          </ac:spMkLst>
+        </pc:spChg>
+      </pc:sldChg>
+      <pc:sldChg chg="modSp new mod">
+        <pc:chgData name="Alder  Joel" userId="cb060085-3866-4497-bda6-e6b2f137edc7" providerId="ADAL" clId="{213097F3-7CE9-41F1-881E-7F1A26DF9138}" dt="2023-04-26T09:40:15.882" v="388" actId="20577"/>
+        <pc:sldMkLst>
+          <pc:docMk/>
+          <pc:sldMk cId="2878076269" sldId="263"/>
+        </pc:sldMkLst>
+        <pc:spChg chg="mod">
+          <ac:chgData name="Alder  Joel" userId="cb060085-3866-4497-bda6-e6b2f137edc7" providerId="ADAL" clId="{213097F3-7CE9-41F1-881E-7F1A26DF9138}" dt="2023-04-26T09:40:15.882" v="388" actId="20577"/>
+          <ac:spMkLst>
+            <pc:docMk/>
+            <pc:sldMk cId="2878076269" sldId="263"/>
+            <ac:spMk id="2" creationId="{AB2277A8-711F-41A0-4B96-5579314FB6FD}"/>
+          </ac:spMkLst>
+        </pc:spChg>
+      </pc:sldChg>
+      <pc:sldChg chg="modSp new mod">
+        <pc:chgData name="Alder  Joel" userId="cb060085-3866-4497-bda6-e6b2f137edc7" providerId="ADAL" clId="{213097F3-7CE9-41F1-881E-7F1A26DF9138}" dt="2023-04-26T09:40:24.836" v="420" actId="20577"/>
+        <pc:sldMkLst>
+          <pc:docMk/>
+          <pc:sldMk cId="1557511366" sldId="264"/>
+        </pc:sldMkLst>
+        <pc:spChg chg="mod">
+          <ac:chgData name="Alder  Joel" userId="cb060085-3866-4497-bda6-e6b2f137edc7" providerId="ADAL" clId="{213097F3-7CE9-41F1-881E-7F1A26DF9138}" dt="2023-04-26T09:40:24.836" v="420" actId="20577"/>
+          <ac:spMkLst>
+            <pc:docMk/>
+            <pc:sldMk cId="1557511366" sldId="264"/>
+            <ac:spMk id="2" creationId="{6AE063C5-C606-D8DE-2F17-E4E91A83E6DE}"/>
+          </ac:spMkLst>
+        </pc:spChg>
+      </pc:sldChg>
+      <pc:sldChg chg="modSp new mod">
+        <pc:chgData name="Alder  Joel" userId="cb060085-3866-4497-bda6-e6b2f137edc7" providerId="ADAL" clId="{213097F3-7CE9-41F1-881E-7F1A26DF9138}" dt="2023-04-26T09:41:37.061" v="497" actId="20577"/>
+        <pc:sldMkLst>
+          <pc:docMk/>
+          <pc:sldMk cId="1912907485" sldId="265"/>
+        </pc:sldMkLst>
+        <pc:spChg chg="mod">
+          <ac:chgData name="Alder  Joel" userId="cb060085-3866-4497-bda6-e6b2f137edc7" providerId="ADAL" clId="{213097F3-7CE9-41F1-881E-7F1A26DF9138}" dt="2023-04-26T09:41:24.370" v="435" actId="20577"/>
+          <ac:spMkLst>
+            <pc:docMk/>
+            <pc:sldMk cId="1912907485" sldId="265"/>
+            <ac:spMk id="2" creationId="{ECEF1345-B577-7366-E3FD-F4D4DA81B85B}"/>
+          </ac:spMkLst>
+        </pc:spChg>
+        <pc:spChg chg="mod">
+          <ac:chgData name="Alder  Joel" userId="cb060085-3866-4497-bda6-e6b2f137edc7" providerId="ADAL" clId="{213097F3-7CE9-41F1-881E-7F1A26DF9138}" dt="2023-04-26T09:41:37.061" v="497" actId="20577"/>
+          <ac:spMkLst>
+            <pc:docMk/>
+            <pc:sldMk cId="1912907485" sldId="265"/>
+            <ac:spMk id="3" creationId="{27B04052-E0E5-135A-19BE-37B8A3E3DA63}"/>
           </ac:spMkLst>
         </pc:spChg>
       </pc:sldChg>
@@ -363,7 +451,7 @@
           <a:p>
             <a:fld id="{63C3E930-EECA-446B-9A12-9BD4DAE3FB21}" type="datetimeFigureOut">
               <a:rPr lang="de-CH" smtClean="0"/>
-              <a:t>18.04.2023</a:t>
+              <a:t>26.04.2023</a:t>
             </a:fld>
             <a:endParaRPr lang="de-CH"/>
           </a:p>
@@ -563,7 +651,7 @@
           <a:p>
             <a:fld id="{63C3E930-EECA-446B-9A12-9BD4DAE3FB21}" type="datetimeFigureOut">
               <a:rPr lang="de-CH" smtClean="0"/>
-              <a:t>18.04.2023</a:t>
+              <a:t>26.04.2023</a:t>
             </a:fld>
             <a:endParaRPr lang="de-CH"/>
           </a:p>
@@ -773,7 +861,7 @@
           <a:p>
             <a:fld id="{63C3E930-EECA-446B-9A12-9BD4DAE3FB21}" type="datetimeFigureOut">
               <a:rPr lang="de-CH" smtClean="0"/>
-              <a:t>18.04.2023</a:t>
+              <a:t>26.04.2023</a:t>
             </a:fld>
             <a:endParaRPr lang="de-CH"/>
           </a:p>
@@ -973,7 +1061,7 @@
           <a:p>
             <a:fld id="{63C3E930-EECA-446B-9A12-9BD4DAE3FB21}" type="datetimeFigureOut">
               <a:rPr lang="de-CH" smtClean="0"/>
-              <a:t>18.04.2023</a:t>
+              <a:t>26.04.2023</a:t>
             </a:fld>
             <a:endParaRPr lang="de-CH"/>
           </a:p>
@@ -1249,7 +1337,7 @@
           <a:p>
             <a:fld id="{63C3E930-EECA-446B-9A12-9BD4DAE3FB21}" type="datetimeFigureOut">
               <a:rPr lang="de-CH" smtClean="0"/>
-              <a:t>18.04.2023</a:t>
+              <a:t>26.04.2023</a:t>
             </a:fld>
             <a:endParaRPr lang="de-CH"/>
           </a:p>
@@ -1517,7 +1605,7 @@
           <a:p>
             <a:fld id="{63C3E930-EECA-446B-9A12-9BD4DAE3FB21}" type="datetimeFigureOut">
               <a:rPr lang="de-CH" smtClean="0"/>
-              <a:t>18.04.2023</a:t>
+              <a:t>26.04.2023</a:t>
             </a:fld>
             <a:endParaRPr lang="de-CH"/>
           </a:p>
@@ -1932,7 +2020,7 @@
           <a:p>
             <a:fld id="{63C3E930-EECA-446B-9A12-9BD4DAE3FB21}" type="datetimeFigureOut">
               <a:rPr lang="de-CH" smtClean="0"/>
-              <a:t>18.04.2023</a:t>
+              <a:t>26.04.2023</a:t>
             </a:fld>
             <a:endParaRPr lang="de-CH"/>
           </a:p>
@@ -2074,7 +2162,7 @@
           <a:p>
             <a:fld id="{63C3E930-EECA-446B-9A12-9BD4DAE3FB21}" type="datetimeFigureOut">
               <a:rPr lang="de-CH" smtClean="0"/>
-              <a:t>18.04.2023</a:t>
+              <a:t>26.04.2023</a:t>
             </a:fld>
             <a:endParaRPr lang="de-CH"/>
           </a:p>
@@ -2187,7 +2275,7 @@
           <a:p>
             <a:fld id="{63C3E930-EECA-446B-9A12-9BD4DAE3FB21}" type="datetimeFigureOut">
               <a:rPr lang="de-CH" smtClean="0"/>
-              <a:t>18.04.2023</a:t>
+              <a:t>26.04.2023</a:t>
             </a:fld>
             <a:endParaRPr lang="de-CH"/>
           </a:p>
@@ -2500,7 +2588,7 @@
           <a:p>
             <a:fld id="{63C3E930-EECA-446B-9A12-9BD4DAE3FB21}" type="datetimeFigureOut">
               <a:rPr lang="de-CH" smtClean="0"/>
-              <a:t>18.04.2023</a:t>
+              <a:t>26.04.2023</a:t>
             </a:fld>
             <a:endParaRPr lang="de-CH"/>
           </a:p>
@@ -2789,7 +2877,7 @@
           <a:p>
             <a:fld id="{63C3E930-EECA-446B-9A12-9BD4DAE3FB21}" type="datetimeFigureOut">
               <a:rPr lang="de-CH" smtClean="0"/>
-              <a:t>18.04.2023</a:t>
+              <a:t>26.04.2023</a:t>
             </a:fld>
             <a:endParaRPr lang="de-CH"/>
           </a:p>
@@ -3032,7 +3120,7 @@
           <a:p>
             <a:fld id="{63C3E930-EECA-446B-9A12-9BD4DAE3FB21}" type="datetimeFigureOut">
               <a:rPr lang="de-CH" smtClean="0"/>
-              <a:t>18.04.2023</a:t>
+              <a:t>26.04.2023</a:t>
             </a:fld>
             <a:endParaRPr lang="de-CH"/>
           </a:p>
@@ -3520,6 +3608,252 @@
 </p:sld>
 </file>
 
+<file path=ppt/slides/slide10.xml><?xml version="1.0" encoding="utf-8"?>
+<p:sld xmlns:a="http://schemas.openxmlformats.org/drawingml/2006/main" xmlns:r="http://schemas.openxmlformats.org/officeDocument/2006/relationships" xmlns:p="http://schemas.openxmlformats.org/presentationml/2006/main">
+  <p:cSld>
+    <p:spTree>
+      <p:nvGrpSpPr>
+        <p:cNvPr id="1" name=""/>
+        <p:cNvGrpSpPr/>
+        <p:nvPr/>
+      </p:nvGrpSpPr>
+      <p:grpSpPr>
+        <a:xfrm>
+          <a:off x="0" y="0"/>
+          <a:ext cx="0" cy="0"/>
+          <a:chOff x="0" y="0"/>
+          <a:chExt cx="0" cy="0"/>
+        </a:xfrm>
+      </p:grpSpPr>
+      <p:sp>
+        <p:nvSpPr>
+          <p:cNvPr id="2" name="Titel 1">
+            <a:extLst>
+              <a:ext uri="{FF2B5EF4-FFF2-40B4-BE49-F238E27FC236}">
+                <a16:creationId xmlns:a16="http://schemas.microsoft.com/office/drawing/2014/main" id="{1766A719-9D05-CDE0-8D77-D005A26C4B2A}"/>
+              </a:ext>
+            </a:extLst>
+          </p:cNvPr>
+          <p:cNvSpPr>
+            <a:spLocks noGrp="1"/>
+          </p:cNvSpPr>
+          <p:nvPr>
+            <p:ph type="title"/>
+          </p:nvPr>
+        </p:nvSpPr>
+        <p:spPr/>
+        <p:txBody>
+          <a:bodyPr/>
+          <a:lstStyle/>
+          <a:p>
+            <a:r>
+              <a:rPr lang="de-CH" dirty="0"/>
+              <a:t>Project Review</a:t>
+            </a:r>
+          </a:p>
+        </p:txBody>
+      </p:sp>
+      <p:sp>
+        <p:nvSpPr>
+          <p:cNvPr id="3" name="Inhaltsplatzhalter 2">
+            <a:extLst>
+              <a:ext uri="{FF2B5EF4-FFF2-40B4-BE49-F238E27FC236}">
+                <a16:creationId xmlns:a16="http://schemas.microsoft.com/office/drawing/2014/main" id="{39025716-816C-87D2-34C3-A2A091C5D38F}"/>
+              </a:ext>
+            </a:extLst>
+          </p:cNvPr>
+          <p:cNvSpPr>
+            <a:spLocks noGrp="1"/>
+          </p:cNvSpPr>
+          <p:nvPr>
+            <p:ph idx="1"/>
+          </p:nvPr>
+        </p:nvSpPr>
+        <p:spPr/>
+        <p:txBody>
+          <a:bodyPr/>
+          <a:lstStyle/>
+          <a:p>
+            <a:r>
+              <a:rPr lang="de-CH" dirty="0"/>
+              <a:t>Closer </a:t>
+            </a:r>
+            <a:r>
+              <a:rPr lang="de-CH" dirty="0" err="1"/>
+              <a:t>look</a:t>
+            </a:r>
+            <a:r>
+              <a:rPr lang="de-CH" dirty="0"/>
+              <a:t> </a:t>
+            </a:r>
+            <a:r>
+              <a:rPr lang="de-CH" dirty="0" err="1"/>
+              <a:t>to</a:t>
+            </a:r>
+            <a:r>
+              <a:rPr lang="de-CH" dirty="0"/>
+              <a:t> </a:t>
+            </a:r>
+            <a:r>
+              <a:rPr lang="de-CH" dirty="0" err="1"/>
+              <a:t>data</a:t>
+            </a:r>
+            <a:r>
+              <a:rPr lang="de-CH" dirty="0"/>
+              <a:t> </a:t>
+            </a:r>
+            <a:r>
+              <a:rPr lang="de-CH" dirty="0" err="1"/>
+              <a:t>before</a:t>
+            </a:r>
+            <a:r>
+              <a:rPr lang="de-CH" dirty="0"/>
+              <a:t> </a:t>
+            </a:r>
+            <a:r>
+              <a:rPr lang="de-CH" dirty="0" err="1"/>
+              <a:t>already</a:t>
+            </a:r>
+            <a:r>
+              <a:rPr lang="de-CH" dirty="0"/>
+              <a:t> </a:t>
+            </a:r>
+            <a:r>
+              <a:rPr lang="de-CH" dirty="0" err="1"/>
+              <a:t>trying</a:t>
+            </a:r>
+            <a:r>
+              <a:rPr lang="de-CH" dirty="0"/>
+              <a:t> out </a:t>
+            </a:r>
+            <a:r>
+              <a:rPr lang="de-CH" dirty="0" err="1"/>
+              <a:t>some</a:t>
+            </a:r>
+            <a:r>
+              <a:rPr lang="de-CH" dirty="0"/>
+              <a:t> </a:t>
+            </a:r>
+            <a:r>
+              <a:rPr lang="de-CH" dirty="0" err="1"/>
+              <a:t>models</a:t>
+            </a:r>
+            <a:endParaRPr lang="de-CH" dirty="0"/>
+          </a:p>
+          <a:p>
+            <a:r>
+              <a:rPr lang="de-CH" dirty="0"/>
+              <a:t>Search a </a:t>
+            </a:r>
+            <a:r>
+              <a:rPr lang="de-CH" dirty="0" err="1"/>
+              <a:t>lot</a:t>
+            </a:r>
+            <a:r>
+              <a:rPr lang="de-CH" dirty="0"/>
+              <a:t> </a:t>
+            </a:r>
+            <a:r>
+              <a:rPr lang="de-CH" dirty="0" err="1"/>
+              <a:t>of</a:t>
+            </a:r>
+            <a:r>
+              <a:rPr lang="de-CH" dirty="0"/>
+              <a:t> </a:t>
+            </a:r>
+            <a:r>
+              <a:rPr lang="de-CH" dirty="0" err="1"/>
+              <a:t>information</a:t>
+            </a:r>
+            <a:r>
+              <a:rPr lang="de-CH" dirty="0"/>
+              <a:t> </a:t>
+            </a:r>
+            <a:r>
+              <a:rPr lang="de-CH" dirty="0" err="1"/>
+              <a:t>for</a:t>
+            </a:r>
+            <a:r>
+              <a:rPr lang="de-CH" dirty="0"/>
+              <a:t> MICE, </a:t>
+            </a:r>
+            <a:r>
+              <a:rPr lang="de-CH" dirty="0" err="1"/>
+              <a:t>better</a:t>
+            </a:r>
+            <a:r>
+              <a:rPr lang="de-CH" dirty="0"/>
+              <a:t> </a:t>
+            </a:r>
+            <a:r>
+              <a:rPr lang="de-CH" dirty="0" err="1"/>
+              <a:t>than</a:t>
+            </a:r>
+            <a:r>
+              <a:rPr lang="de-CH" dirty="0"/>
+              <a:t> </a:t>
+            </a:r>
+            <a:r>
+              <a:rPr lang="de-CH" dirty="0" err="1"/>
+              <a:t>use</a:t>
+            </a:r>
+            <a:r>
+              <a:rPr lang="de-CH" dirty="0"/>
+              <a:t> </a:t>
+            </a:r>
+            <a:r>
+              <a:rPr lang="de-CH" dirty="0" err="1"/>
+              <a:t>the</a:t>
+            </a:r>
+            <a:r>
+              <a:rPr lang="de-CH" dirty="0"/>
+              <a:t> </a:t>
+            </a:r>
+            <a:r>
+              <a:rPr lang="de-CH" dirty="0" err="1"/>
+              <a:t>first</a:t>
+            </a:r>
+            <a:r>
+              <a:rPr lang="de-CH" dirty="0"/>
+              <a:t> </a:t>
+            </a:r>
+            <a:r>
+              <a:rPr lang="de-CH" dirty="0" err="1"/>
+              <a:t>idea</a:t>
+            </a:r>
+            <a:r>
+              <a:rPr lang="de-CH" dirty="0"/>
+              <a:t> </a:t>
+            </a:r>
+            <a:r>
+              <a:rPr lang="de-CH" dirty="0" err="1"/>
+              <a:t>we</a:t>
+            </a:r>
+            <a:r>
+              <a:rPr lang="de-CH" dirty="0"/>
+              <a:t> </a:t>
+            </a:r>
+            <a:r>
+              <a:rPr lang="de-CH" dirty="0" err="1"/>
+              <a:t>see</a:t>
+            </a:r>
+            <a:endParaRPr lang="de-CH" dirty="0"/>
+          </a:p>
+        </p:txBody>
+      </p:sp>
+    </p:spTree>
+    <p:extLst>
+      <p:ext uri="{BB962C8B-B14F-4D97-AF65-F5344CB8AC3E}">
+        <p14:creationId xmlns:p14="http://schemas.microsoft.com/office/powerpoint/2010/main" val="2852609075"/>
+      </p:ext>
+    </p:extLst>
+  </p:cSld>
+  <p:clrMapOvr>
+    <a:masterClrMapping/>
+  </p:clrMapOvr>
+</p:sld>
+</file>
+
 <file path=ppt/slides/slide2.xml><?xml version="1.0" encoding="utf-8"?>
 <p:sld xmlns:a="http://schemas.openxmlformats.org/drawingml/2006/main" xmlns:r="http://schemas.openxmlformats.org/officeDocument/2006/relationships" xmlns:p="http://schemas.openxmlformats.org/presentationml/2006/main">
   <p:cSld>
@@ -3542,6 +3876,123 @@
           <p:cNvPr id="2" name="Titel 1">
             <a:extLst>
               <a:ext uri="{FF2B5EF4-FFF2-40B4-BE49-F238E27FC236}">
+                <a16:creationId xmlns:a16="http://schemas.microsoft.com/office/drawing/2014/main" id="{ECEF1345-B577-7366-E3FD-F4D4DA81B85B}"/>
+              </a:ext>
+            </a:extLst>
+          </p:cNvPr>
+          <p:cNvSpPr>
+            <a:spLocks noGrp="1"/>
+          </p:cNvSpPr>
+          <p:nvPr>
+            <p:ph type="title"/>
+          </p:nvPr>
+        </p:nvSpPr>
+        <p:spPr/>
+        <p:txBody>
+          <a:bodyPr/>
+          <a:lstStyle/>
+          <a:p>
+            <a:r>
+              <a:rPr lang="de-CH" dirty="0" err="1"/>
+              <a:t>Pre</a:t>
+            </a:r>
+            <a:r>
+              <a:rPr lang="de-CH" dirty="0"/>
+              <a:t> Processing</a:t>
+            </a:r>
+          </a:p>
+        </p:txBody>
+      </p:sp>
+      <p:sp>
+        <p:nvSpPr>
+          <p:cNvPr id="3" name="Inhaltsplatzhalter 2">
+            <a:extLst>
+              <a:ext uri="{FF2B5EF4-FFF2-40B4-BE49-F238E27FC236}">
+                <a16:creationId xmlns:a16="http://schemas.microsoft.com/office/drawing/2014/main" id="{27B04052-E0E5-135A-19BE-37B8A3E3DA63}"/>
+              </a:ext>
+            </a:extLst>
+          </p:cNvPr>
+          <p:cNvSpPr>
+            <a:spLocks noGrp="1"/>
+          </p:cNvSpPr>
+          <p:nvPr>
+            <p:ph idx="1"/>
+          </p:nvPr>
+        </p:nvSpPr>
+        <p:spPr/>
+        <p:txBody>
+          <a:bodyPr/>
+          <a:lstStyle/>
+          <a:p>
+            <a:r>
+              <a:rPr lang="de-CH" dirty="0"/>
+              <a:t>Remove </a:t>
+            </a:r>
+            <a:r>
+              <a:rPr lang="de-CH" dirty="0" err="1"/>
+              <a:t>duplicates</a:t>
+            </a:r>
+            <a:endParaRPr lang="de-CH" dirty="0"/>
+          </a:p>
+          <a:p>
+            <a:r>
+              <a:rPr lang="de-CH" dirty="0"/>
+              <a:t>Keep </a:t>
+            </a:r>
+            <a:r>
+              <a:rPr lang="de-CH" dirty="0" err="1"/>
+              <a:t>newest</a:t>
+            </a:r>
+            <a:r>
+              <a:rPr lang="de-CH" dirty="0"/>
+              <a:t> </a:t>
+            </a:r>
+            <a:r>
+              <a:rPr lang="de-CH" dirty="0" err="1"/>
+              <a:t>observation</a:t>
+            </a:r>
+            <a:endParaRPr lang="de-CH" dirty="0"/>
+          </a:p>
+          <a:p>
+            <a:endParaRPr lang="de-CH" dirty="0"/>
+          </a:p>
+        </p:txBody>
+      </p:sp>
+    </p:spTree>
+    <p:extLst>
+      <p:ext uri="{BB962C8B-B14F-4D97-AF65-F5344CB8AC3E}">
+        <p14:creationId xmlns:p14="http://schemas.microsoft.com/office/powerpoint/2010/main" val="1912907485"/>
+      </p:ext>
+    </p:extLst>
+  </p:cSld>
+  <p:clrMapOvr>
+    <a:masterClrMapping/>
+  </p:clrMapOvr>
+</p:sld>
+</file>
+
+<file path=ppt/slides/slide3.xml><?xml version="1.0" encoding="utf-8"?>
+<p:sld xmlns:a="http://schemas.openxmlformats.org/drawingml/2006/main" xmlns:r="http://schemas.openxmlformats.org/officeDocument/2006/relationships" xmlns:p="http://schemas.openxmlformats.org/presentationml/2006/main">
+  <p:cSld>
+    <p:spTree>
+      <p:nvGrpSpPr>
+        <p:cNvPr id="1" name=""/>
+        <p:cNvGrpSpPr/>
+        <p:nvPr/>
+      </p:nvGrpSpPr>
+      <p:grpSpPr>
+        <a:xfrm>
+          <a:off x="0" y="0"/>
+          <a:ext cx="0" cy="0"/>
+          <a:chOff x="0" y="0"/>
+          <a:chExt cx="0" cy="0"/>
+        </a:xfrm>
+      </p:grpSpPr>
+      <p:sp>
+        <p:nvSpPr>
+          <p:cNvPr id="2" name="Titel 1">
+            <a:extLst>
+              <a:ext uri="{FF2B5EF4-FFF2-40B4-BE49-F238E27FC236}">
                 <a16:creationId xmlns:a16="http://schemas.microsoft.com/office/drawing/2014/main" id="{AEC7D386-19EC-32B3-B4B8-5F89A5C13285}"/>
               </a:ext>
             </a:extLst>
@@ -3560,8 +4011,21 @@
           <a:p>
             <a:r>
               <a:rPr lang="de-CH" dirty="0"/>
-              <a:t>First Try</a:t>
-            </a:r>
+              <a:t>First Model: </a:t>
+            </a:r>
+            <a:r>
+              <a:rPr lang="de-CH" dirty="0" err="1"/>
+              <a:t>Decision</a:t>
+            </a:r>
+            <a:r>
+              <a:rPr lang="de-CH" dirty="0"/>
+              <a:t> </a:t>
+            </a:r>
+            <a:r>
+              <a:rPr lang="de-CH" dirty="0" err="1"/>
+              <a:t>Tree</a:t>
+            </a:r>
+            <a:endParaRPr lang="de-CH" dirty="0"/>
           </a:p>
         </p:txBody>
       </p:sp>
@@ -3632,7 +4096,7 @@
             </a:r>
             <a:r>
               <a:rPr lang="de-CH" b="1" dirty="0"/>
-              <a:t>: 84.58 %</a:t>
+              <a:t>: %</a:t>
             </a:r>
           </a:p>
           <a:p>
@@ -3847,77 +4311,6 @@
 </p:sld>
 </file>
 
-<file path=ppt/slides/slide3.xml><?xml version="1.0" encoding="utf-8"?>
-<p:sld xmlns:a="http://schemas.openxmlformats.org/drawingml/2006/main" xmlns:r="http://schemas.openxmlformats.org/officeDocument/2006/relationships" xmlns:p="http://schemas.openxmlformats.org/presentationml/2006/main">
-  <p:cSld>
-    <p:spTree>
-      <p:nvGrpSpPr>
-        <p:cNvPr id="1" name=""/>
-        <p:cNvGrpSpPr/>
-        <p:nvPr/>
-      </p:nvGrpSpPr>
-      <p:grpSpPr>
-        <a:xfrm>
-          <a:off x="0" y="0"/>
-          <a:ext cx="0" cy="0"/>
-          <a:chOff x="0" y="0"/>
-          <a:chExt cx="0" cy="0"/>
-        </a:xfrm>
-      </p:grpSpPr>
-      <p:sp>
-        <p:nvSpPr>
-          <p:cNvPr id="2" name="Titel 1">
-            <a:extLst>
-              <a:ext uri="{FF2B5EF4-FFF2-40B4-BE49-F238E27FC236}">
-                <a16:creationId xmlns:a16="http://schemas.microsoft.com/office/drawing/2014/main" id="{76334B92-5B9F-48F8-4235-6E435AC25934}"/>
-              </a:ext>
-            </a:extLst>
-          </p:cNvPr>
-          <p:cNvSpPr>
-            <a:spLocks noGrp="1"/>
-          </p:cNvSpPr>
-          <p:nvPr>
-            <p:ph type="title"/>
-          </p:nvPr>
-        </p:nvSpPr>
-        <p:spPr/>
-        <p:txBody>
-          <a:bodyPr/>
-          <a:lstStyle/>
-          <a:p>
-            <a:r>
-              <a:rPr lang="de-CH" dirty="0"/>
-              <a:t>First Try: </a:t>
-            </a:r>
-            <a:r>
-              <a:rPr lang="de-CH" dirty="0" err="1"/>
-              <a:t>Decision</a:t>
-            </a:r>
-            <a:r>
-              <a:rPr lang="de-CH" dirty="0"/>
-              <a:t> </a:t>
-            </a:r>
-            <a:r>
-              <a:rPr lang="de-CH" dirty="0" err="1"/>
-              <a:t>Tree</a:t>
-            </a:r>
-            <a:endParaRPr lang="de-CH" dirty="0"/>
-          </a:p>
-        </p:txBody>
-      </p:sp>
-    </p:spTree>
-    <p:extLst>
-      <p:ext uri="{BB962C8B-B14F-4D97-AF65-F5344CB8AC3E}">
-        <p14:creationId xmlns:p14="http://schemas.microsoft.com/office/powerpoint/2010/main" val="3496435250"/>
-      </p:ext>
-    </p:extLst>
-  </p:cSld>
-  <p:clrMapOvr>
-    <a:masterClrMapping/>
-  </p:clrMapOvr>
-</p:sld>
-</file>
-
 <file path=ppt/slides/slide4.xml><?xml version="1.0" encoding="utf-8"?>
 <p:sld xmlns:a="http://schemas.openxmlformats.org/drawingml/2006/main" xmlns:r="http://schemas.openxmlformats.org/officeDocument/2006/relationships" xmlns:p="http://schemas.openxmlformats.org/presentationml/2006/main">
   <p:cSld>
@@ -3940,7 +4333,7 @@
           <p:cNvPr id="2" name="Titel 1">
             <a:extLst>
               <a:ext uri="{FF2B5EF4-FFF2-40B4-BE49-F238E27FC236}">
-                <a16:creationId xmlns:a16="http://schemas.microsoft.com/office/drawing/2014/main" id="{7BB30BDA-CF9F-C6F4-DB8F-5AB2541B5F2E}"/>
+                <a16:creationId xmlns:a16="http://schemas.microsoft.com/office/drawing/2014/main" id="{76334B92-5B9F-48F8-4235-6E435AC25934}"/>
               </a:ext>
             </a:extLst>
           </p:cNvPr>
@@ -3957,8 +4350,12 @@
           <a:lstStyle/>
           <a:p>
             <a:r>
+              <a:rPr lang="de-CH" dirty="0"/>
+              <a:t>Picture </a:t>
+            </a:r>
+            <a:r>
               <a:rPr lang="de-CH" dirty="0" err="1"/>
-              <a:t>Getting</a:t>
+              <a:t>of</a:t>
             </a:r>
             <a:r>
               <a:rPr lang="de-CH" dirty="0"/>
@@ -3966,44 +4363,16 @@
             </a:r>
             <a:r>
               <a:rPr lang="de-CH" dirty="0" err="1"/>
-              <a:t>best</a:t>
-            </a:r>
-            <a:r>
-              <a:rPr lang="de-CH" dirty="0"/>
-              <a:t> MICE METHOD via CV</a:t>
-            </a:r>
-          </a:p>
-        </p:txBody>
-      </p:sp>
-      <p:sp>
-        <p:nvSpPr>
-          <p:cNvPr id="3" name="Inhaltsplatzhalter 2">
-            <a:extLst>
-              <a:ext uri="{FF2B5EF4-FFF2-40B4-BE49-F238E27FC236}">
-                <a16:creationId xmlns:a16="http://schemas.microsoft.com/office/drawing/2014/main" id="{CB7BD7FA-06DE-EDB3-B25D-D7124EA999A1}"/>
-              </a:ext>
-            </a:extLst>
-          </p:cNvPr>
-          <p:cNvSpPr>
-            <a:spLocks noGrp="1"/>
-          </p:cNvSpPr>
-          <p:nvPr>
-            <p:ph idx="1"/>
-          </p:nvPr>
-        </p:nvSpPr>
-        <p:spPr/>
-        <p:txBody>
-          <a:bodyPr/>
-          <a:lstStyle/>
-          <a:p>
-            <a:endParaRPr lang="de-CH"/>
+              <a:t>tree</a:t>
+            </a:r>
+            <a:endParaRPr lang="de-CH" dirty="0"/>
           </a:p>
         </p:txBody>
       </p:sp>
     </p:spTree>
     <p:extLst>
       <p:ext uri="{BB962C8B-B14F-4D97-AF65-F5344CB8AC3E}">
-        <p14:creationId xmlns:p14="http://schemas.microsoft.com/office/powerpoint/2010/main" val="515618594"/>
+        <p14:creationId xmlns:p14="http://schemas.microsoft.com/office/powerpoint/2010/main" val="3496435250"/>
       </p:ext>
     </p:extLst>
   </p:cSld>
@@ -4035,7 +4404,7 @@
           <p:cNvPr id="2" name="Titel 1">
             <a:extLst>
               <a:ext uri="{FF2B5EF4-FFF2-40B4-BE49-F238E27FC236}">
-                <a16:creationId xmlns:a16="http://schemas.microsoft.com/office/drawing/2014/main" id="{608FE92B-EDAF-9602-6E5E-F79CE2800539}"/>
+                <a16:creationId xmlns:a16="http://schemas.microsoft.com/office/drawing/2014/main" id="{7BB30BDA-CF9F-C6F4-DB8F-5AB2541B5F2E}"/>
               </a:ext>
             </a:extLst>
           </p:cNvPr>
@@ -4053,15 +4422,7 @@
           <a:p>
             <a:r>
               <a:rPr lang="de-CH" dirty="0"/>
-              <a:t>New </a:t>
-            </a:r>
-            <a:r>
-              <a:rPr lang="de-CH" dirty="0" err="1"/>
-              <a:t>Stats</a:t>
-            </a:r>
-            <a:r>
-              <a:rPr lang="de-CH" dirty="0"/>
-              <a:t> Method: MICE</a:t>
+              <a:t>Second Model: Random Forest</a:t>
             </a:r>
           </a:p>
         </p:txBody>
@@ -4071,7 +4432,7 @@
           <p:cNvPr id="3" name="Inhaltsplatzhalter 2">
             <a:extLst>
               <a:ext uri="{FF2B5EF4-FFF2-40B4-BE49-F238E27FC236}">
-                <a16:creationId xmlns:a16="http://schemas.microsoft.com/office/drawing/2014/main" id="{1C937B84-EB72-9B54-F643-F245925050B0}"/>
+                <a16:creationId xmlns:a16="http://schemas.microsoft.com/office/drawing/2014/main" id="{CB7BD7FA-06DE-EDB3-B25D-D7124EA999A1}"/>
               </a:ext>
             </a:extLst>
           </p:cNvPr>
@@ -4094,7 +4455,7 @@
     </p:spTree>
     <p:extLst>
       <p:ext uri="{BB962C8B-B14F-4D97-AF65-F5344CB8AC3E}">
-        <p14:creationId xmlns:p14="http://schemas.microsoft.com/office/powerpoint/2010/main" val="2175399514"/>
+        <p14:creationId xmlns:p14="http://schemas.microsoft.com/office/powerpoint/2010/main" val="515618594"/>
       </p:ext>
     </p:extLst>
   </p:cSld>
@@ -4126,7 +4487,7 @@
           <p:cNvPr id="2" name="Titel 1">
             <a:extLst>
               <a:ext uri="{FF2B5EF4-FFF2-40B4-BE49-F238E27FC236}">
-                <a16:creationId xmlns:a16="http://schemas.microsoft.com/office/drawing/2014/main" id="{1766A719-9D05-CDE0-8D77-D005A26C4B2A}"/>
+                <a16:creationId xmlns:a16="http://schemas.microsoft.com/office/drawing/2014/main" id="{608FE92B-EDAF-9602-6E5E-F79CE2800539}"/>
               </a:ext>
             </a:extLst>
           </p:cNvPr>
@@ -4143,8 +4504,12 @@
           <a:lstStyle/>
           <a:p>
             <a:r>
+              <a:rPr lang="de-CH" dirty="0" err="1"/>
+              <a:t>Thrid</a:t>
+            </a:r>
+            <a:r>
               <a:rPr lang="de-CH" dirty="0"/>
-              <a:t>Project Review</a:t>
+              <a:t> Model: Logit</a:t>
             </a:r>
           </a:p>
         </p:txBody>
@@ -4154,7 +4519,7 @@
           <p:cNvPr id="3" name="Inhaltsplatzhalter 2">
             <a:extLst>
               <a:ext uri="{FF2B5EF4-FFF2-40B4-BE49-F238E27FC236}">
-                <a16:creationId xmlns:a16="http://schemas.microsoft.com/office/drawing/2014/main" id="{39025716-816C-87D2-34C3-A2A091C5D38F}"/>
+                <a16:creationId xmlns:a16="http://schemas.microsoft.com/office/drawing/2014/main" id="{1C937B84-EB72-9B54-F643-F245925050B0}"/>
               </a:ext>
             </a:extLst>
           </p:cNvPr>
@@ -4170,78 +4535,289 @@
           <a:bodyPr/>
           <a:lstStyle/>
           <a:p>
-            <a:r>
-              <a:rPr lang="de-CH" dirty="0"/>
-              <a:t>Closer </a:t>
-            </a:r>
-            <a:r>
-              <a:rPr lang="de-CH" dirty="0" err="1"/>
-              <a:t>look</a:t>
-            </a:r>
-            <a:r>
-              <a:rPr lang="de-CH" dirty="0"/>
-              <a:t> </a:t>
-            </a:r>
-            <a:r>
-              <a:rPr lang="de-CH" dirty="0" err="1"/>
-              <a:t>to</a:t>
-            </a:r>
-            <a:r>
-              <a:rPr lang="de-CH" dirty="0"/>
-              <a:t> </a:t>
-            </a:r>
-            <a:r>
-              <a:rPr lang="de-CH" dirty="0" err="1"/>
-              <a:t>data</a:t>
-            </a:r>
-            <a:r>
-              <a:rPr lang="de-CH" dirty="0"/>
-              <a:t> </a:t>
-            </a:r>
-            <a:r>
-              <a:rPr lang="de-CH" dirty="0" err="1"/>
-              <a:t>before</a:t>
-            </a:r>
-            <a:r>
-              <a:rPr lang="de-CH" dirty="0"/>
-              <a:t> </a:t>
-            </a:r>
-            <a:r>
-              <a:rPr lang="de-CH" dirty="0" err="1"/>
-              <a:t>already</a:t>
-            </a:r>
-            <a:r>
-              <a:rPr lang="de-CH" dirty="0"/>
-              <a:t> </a:t>
-            </a:r>
-            <a:r>
-              <a:rPr lang="de-CH" dirty="0" err="1"/>
-              <a:t>trying</a:t>
-            </a:r>
-            <a:r>
-              <a:rPr lang="de-CH" dirty="0"/>
-              <a:t> out </a:t>
-            </a:r>
-            <a:r>
-              <a:rPr lang="de-CH" dirty="0" err="1"/>
-              <a:t>some</a:t>
-            </a:r>
-            <a:r>
-              <a:rPr lang="de-CH" dirty="0"/>
-              <a:t> </a:t>
-            </a:r>
-            <a:r>
-              <a:rPr lang="de-CH" dirty="0" err="1"/>
-              <a:t>models</a:t>
-            </a:r>
-            <a:endParaRPr lang="de-CH" dirty="0"/>
+            <a:endParaRPr lang="de-CH"/>
           </a:p>
         </p:txBody>
       </p:sp>
     </p:spTree>
     <p:extLst>
       <p:ext uri="{BB962C8B-B14F-4D97-AF65-F5344CB8AC3E}">
-        <p14:creationId xmlns:p14="http://schemas.microsoft.com/office/powerpoint/2010/main" val="2852609075"/>
+        <p14:creationId xmlns:p14="http://schemas.microsoft.com/office/powerpoint/2010/main" val="2175399514"/>
+      </p:ext>
+    </p:extLst>
+  </p:cSld>
+  <p:clrMapOvr>
+    <a:masterClrMapping/>
+  </p:clrMapOvr>
+</p:sld>
+</file>
+
+<file path=ppt/slides/slide7.xml><?xml version="1.0" encoding="utf-8"?>
+<p:sld xmlns:a="http://schemas.openxmlformats.org/drawingml/2006/main" xmlns:r="http://schemas.openxmlformats.org/officeDocument/2006/relationships" xmlns:p="http://schemas.openxmlformats.org/presentationml/2006/main">
+  <p:cSld>
+    <p:spTree>
+      <p:nvGrpSpPr>
+        <p:cNvPr id="1" name=""/>
+        <p:cNvGrpSpPr/>
+        <p:nvPr/>
+      </p:nvGrpSpPr>
+      <p:grpSpPr>
+        <a:xfrm>
+          <a:off x="0" y="0"/>
+          <a:ext cx="0" cy="0"/>
+          <a:chOff x="0" y="0"/>
+          <a:chExt cx="0" cy="0"/>
+        </a:xfrm>
+      </p:grpSpPr>
+      <p:sp>
+        <p:nvSpPr>
+          <p:cNvPr id="2" name="Titel 1">
+            <a:extLst>
+              <a:ext uri="{FF2B5EF4-FFF2-40B4-BE49-F238E27FC236}">
+                <a16:creationId xmlns:a16="http://schemas.microsoft.com/office/drawing/2014/main" id="{ACC88F3C-C654-C853-3C14-017E6613E98E}"/>
+              </a:ext>
+            </a:extLst>
+          </p:cNvPr>
+          <p:cNvSpPr>
+            <a:spLocks noGrp="1"/>
+          </p:cNvSpPr>
+          <p:nvPr>
+            <p:ph type="title"/>
+          </p:nvPr>
+        </p:nvSpPr>
+        <p:spPr/>
+        <p:txBody>
+          <a:bodyPr/>
+          <a:lstStyle/>
+          <a:p>
+            <a:r>
+              <a:rPr lang="de-CH" dirty="0"/>
+              <a:t>Stripplot </a:t>
+            </a:r>
+            <a:r>
+              <a:rPr lang="de-CH" dirty="0" err="1"/>
+              <a:t>of</a:t>
+            </a:r>
+            <a:r>
+              <a:rPr lang="de-CH" dirty="0"/>
+              <a:t> </a:t>
+            </a:r>
+            <a:r>
+              <a:rPr lang="de-CH" dirty="0" err="1"/>
+              <a:t>imputed</a:t>
+            </a:r>
+            <a:r>
+              <a:rPr lang="de-CH" dirty="0"/>
+              <a:t> </a:t>
+            </a:r>
+            <a:r>
+              <a:rPr lang="de-CH" dirty="0" err="1"/>
+              <a:t>values</a:t>
+            </a:r>
+            <a:endParaRPr lang="de-CH" dirty="0"/>
+          </a:p>
+        </p:txBody>
+      </p:sp>
+      <p:sp>
+        <p:nvSpPr>
+          <p:cNvPr id="3" name="Inhaltsplatzhalter 2">
+            <a:extLst>
+              <a:ext uri="{FF2B5EF4-FFF2-40B4-BE49-F238E27FC236}">
+                <a16:creationId xmlns:a16="http://schemas.microsoft.com/office/drawing/2014/main" id="{8CC2F954-EC32-193D-57B8-01EE05E5AE14}"/>
+              </a:ext>
+            </a:extLst>
+          </p:cNvPr>
+          <p:cNvSpPr>
+            <a:spLocks noGrp="1"/>
+          </p:cNvSpPr>
+          <p:nvPr>
+            <p:ph idx="1"/>
+          </p:nvPr>
+        </p:nvSpPr>
+        <p:spPr/>
+        <p:txBody>
+          <a:bodyPr/>
+          <a:lstStyle/>
+          <a:p>
+            <a:endParaRPr lang="de-CH"/>
+          </a:p>
+        </p:txBody>
+      </p:sp>
+    </p:spTree>
+    <p:extLst>
+      <p:ext uri="{BB962C8B-B14F-4D97-AF65-F5344CB8AC3E}">
+        <p14:creationId xmlns:p14="http://schemas.microsoft.com/office/powerpoint/2010/main" val="3910924104"/>
+      </p:ext>
+    </p:extLst>
+  </p:cSld>
+  <p:clrMapOvr>
+    <a:masterClrMapping/>
+  </p:clrMapOvr>
+</p:sld>
+</file>
+
+<file path=ppt/slides/slide8.xml><?xml version="1.0" encoding="utf-8"?>
+<p:sld xmlns:a="http://schemas.openxmlformats.org/drawingml/2006/main" xmlns:r="http://schemas.openxmlformats.org/officeDocument/2006/relationships" xmlns:p="http://schemas.openxmlformats.org/presentationml/2006/main">
+  <p:cSld>
+    <p:spTree>
+      <p:nvGrpSpPr>
+        <p:cNvPr id="1" name=""/>
+        <p:cNvGrpSpPr/>
+        <p:nvPr/>
+      </p:nvGrpSpPr>
+      <p:grpSpPr>
+        <a:xfrm>
+          <a:off x="0" y="0"/>
+          <a:ext cx="0" cy="0"/>
+          <a:chOff x="0" y="0"/>
+          <a:chExt cx="0" cy="0"/>
+        </a:xfrm>
+      </p:grpSpPr>
+      <p:sp>
+        <p:nvSpPr>
+          <p:cNvPr id="2" name="Titel 1">
+            <a:extLst>
+              <a:ext uri="{FF2B5EF4-FFF2-40B4-BE49-F238E27FC236}">
+                <a16:creationId xmlns:a16="http://schemas.microsoft.com/office/drawing/2014/main" id="{AB2277A8-711F-41A0-4B96-5579314FB6FD}"/>
+              </a:ext>
+            </a:extLst>
+          </p:cNvPr>
+          <p:cNvSpPr>
+            <a:spLocks noGrp="1"/>
+          </p:cNvSpPr>
+          <p:nvPr>
+            <p:ph type="title"/>
+          </p:nvPr>
+        </p:nvSpPr>
+        <p:spPr/>
+        <p:txBody>
+          <a:bodyPr/>
+          <a:lstStyle/>
+          <a:p>
+            <a:r>
+              <a:rPr lang="de-CH" dirty="0" err="1"/>
+              <a:t>Estimates</a:t>
+            </a:r>
+            <a:endParaRPr lang="de-CH" dirty="0"/>
+          </a:p>
+        </p:txBody>
+      </p:sp>
+      <p:sp>
+        <p:nvSpPr>
+          <p:cNvPr id="3" name="Inhaltsplatzhalter 2">
+            <a:extLst>
+              <a:ext uri="{FF2B5EF4-FFF2-40B4-BE49-F238E27FC236}">
+                <a16:creationId xmlns:a16="http://schemas.microsoft.com/office/drawing/2014/main" id="{4F807F78-92E3-F859-9D14-452FC5CFC753}"/>
+              </a:ext>
+            </a:extLst>
+          </p:cNvPr>
+          <p:cNvSpPr>
+            <a:spLocks noGrp="1"/>
+          </p:cNvSpPr>
+          <p:nvPr>
+            <p:ph idx="1"/>
+          </p:nvPr>
+        </p:nvSpPr>
+        <p:spPr/>
+        <p:txBody>
+          <a:bodyPr/>
+          <a:lstStyle/>
+          <a:p>
+            <a:endParaRPr lang="de-CH"/>
+          </a:p>
+        </p:txBody>
+      </p:sp>
+    </p:spTree>
+    <p:extLst>
+      <p:ext uri="{BB962C8B-B14F-4D97-AF65-F5344CB8AC3E}">
+        <p14:creationId xmlns:p14="http://schemas.microsoft.com/office/powerpoint/2010/main" val="2878076269"/>
+      </p:ext>
+    </p:extLst>
+  </p:cSld>
+  <p:clrMapOvr>
+    <a:masterClrMapping/>
+  </p:clrMapOvr>
+</p:sld>
+</file>
+
+<file path=ppt/slides/slide9.xml><?xml version="1.0" encoding="utf-8"?>
+<p:sld xmlns:a="http://schemas.openxmlformats.org/drawingml/2006/main" xmlns:r="http://schemas.openxmlformats.org/officeDocument/2006/relationships" xmlns:p="http://schemas.openxmlformats.org/presentationml/2006/main">
+  <p:cSld>
+    <p:spTree>
+      <p:nvGrpSpPr>
+        <p:cNvPr id="1" name=""/>
+        <p:cNvGrpSpPr/>
+        <p:nvPr/>
+      </p:nvGrpSpPr>
+      <p:grpSpPr>
+        <a:xfrm>
+          <a:off x="0" y="0"/>
+          <a:ext cx="0" cy="0"/>
+          <a:chOff x="0" y="0"/>
+          <a:chExt cx="0" cy="0"/>
+        </a:xfrm>
+      </p:grpSpPr>
+      <p:sp>
+        <p:nvSpPr>
+          <p:cNvPr id="2" name="Titel 1">
+            <a:extLst>
+              <a:ext uri="{FF2B5EF4-FFF2-40B4-BE49-F238E27FC236}">
+                <a16:creationId xmlns:a16="http://schemas.microsoft.com/office/drawing/2014/main" id="{6AE063C5-C606-D8DE-2F17-E4E91A83E6DE}"/>
+              </a:ext>
+            </a:extLst>
+          </p:cNvPr>
+          <p:cNvSpPr>
+            <a:spLocks noGrp="1"/>
+          </p:cNvSpPr>
+          <p:nvPr>
+            <p:ph type="title"/>
+          </p:nvPr>
+        </p:nvSpPr>
+        <p:spPr/>
+        <p:txBody>
+          <a:bodyPr/>
+          <a:lstStyle/>
+          <a:p>
+            <a:r>
+              <a:rPr lang="de-CH" dirty="0" err="1"/>
+              <a:t>Stats</a:t>
+            </a:r>
+            <a:r>
+              <a:rPr lang="de-CH" dirty="0"/>
+              <a:t> Method: MICE (Connor)</a:t>
+            </a:r>
+          </a:p>
+        </p:txBody>
+      </p:sp>
+      <p:sp>
+        <p:nvSpPr>
+          <p:cNvPr id="3" name="Inhaltsplatzhalter 2">
+            <a:extLst>
+              <a:ext uri="{FF2B5EF4-FFF2-40B4-BE49-F238E27FC236}">
+                <a16:creationId xmlns:a16="http://schemas.microsoft.com/office/drawing/2014/main" id="{95DB42E1-3071-37E8-DB66-60C952D02AFE}"/>
+              </a:ext>
+            </a:extLst>
+          </p:cNvPr>
+          <p:cNvSpPr>
+            <a:spLocks noGrp="1"/>
+          </p:cNvSpPr>
+          <p:nvPr>
+            <p:ph idx="1"/>
+          </p:nvPr>
+        </p:nvSpPr>
+        <p:spPr/>
+        <p:txBody>
+          <a:bodyPr/>
+          <a:lstStyle/>
+          <a:p>
+            <a:endParaRPr lang="de-CH"/>
+          </a:p>
+        </p:txBody>
+      </p:sp>
+    </p:spTree>
+    <p:extLst>
+      <p:ext uri="{BB962C8B-B14F-4D97-AF65-F5344CB8AC3E}">
+        <p14:creationId xmlns:p14="http://schemas.microsoft.com/office/powerpoint/2010/main" val="1557511366"/>
       </p:ext>
     </p:extLst>
   </p:cSld>
